--- a/PPTs/ProgramacionII_Clase_23-2021.pptx
+++ b/PPTs/ProgramacionII_Clase_23-2021.pptx
@@ -5,7 +5,7 @@
     <p:sldMasterId id="2147483648" r:id="rId1"/>
   </p:sldMasterIdLst>
   <p:notesMasterIdLst>
-    <p:notesMasterId r:id="rId14"/>
+    <p:notesMasterId r:id="rId15"/>
   </p:notesMasterIdLst>
   <p:sldIdLst>
     <p:sldId id="256" r:id="rId2"/>
@@ -20,6 +20,7 @@
     <p:sldId id="265" r:id="rId11"/>
     <p:sldId id="266" r:id="rId12"/>
     <p:sldId id="267" r:id="rId13"/>
+    <p:sldId id="268" r:id="rId14"/>
   </p:sldIdLst>
   <p:sldSz cx="12192000" cy="6858000"/>
   <p:notesSz cx="6858000" cy="9144000"/>
@@ -119,6 +120,27 @@
     </a:lvl9pPr>
   </p:defaultTextStyle>
   <p:extLst>
+    <p:ext uri="{521415D9-36F7-43E2-AB2F-B90AF26B5E84}">
+      <p14:sectionLst xmlns:p14="http://schemas.microsoft.com/office/powerpoint/2010/main">
+        <p14:section name="Sección predeterminada" id="{2733A112-E7D1-4CEF-9636-E3069EEEC63D}">
+          <p14:sldIdLst>
+            <p14:sldId id="256"/>
+            <p14:sldId id="257"/>
+            <p14:sldId id="258"/>
+            <p14:sldId id="259"/>
+            <p14:sldId id="260"/>
+            <p14:sldId id="261"/>
+            <p14:sldId id="262"/>
+            <p14:sldId id="263"/>
+            <p14:sldId id="264"/>
+            <p14:sldId id="265"/>
+            <p14:sldId id="266"/>
+            <p14:sldId id="267"/>
+            <p14:sldId id="268"/>
+          </p14:sldIdLst>
+        </p14:section>
+      </p14:sectionLst>
+    </p:ext>
     <p:ext uri="{EFAFB233-063F-42B5-8137-9DF3F51BA10A}">
       <p15:sldGuideLst xmlns:p15="http://schemas.microsoft.com/office/powerpoint/2012/main"/>
     </p:ext>
@@ -208,7 +230,7 @@
           <a:p>
             <a:fld id="{9E773DE6-DE1A-4DB8-BCA4-E501DEAF0967}" type="datetimeFigureOut">
               <a:rPr lang="es-AR" smtClean="0"/>
-              <a:t>25/6/2021</a:t>
+              <a:t>2/7/2021</a:t>
             </a:fld>
             <a:endParaRPr lang="es-AR"/>
           </a:p>
@@ -1131,7 +1153,7 @@
           <a:p>
             <a:fld id="{78ABE3C1-DBE1-495D-B57B-2849774B866A}" type="datetimeFigureOut">
               <a:rPr lang="en-US" dirty="0"/>
-              <a:t>6/25/2021</a:t>
+              <a:t>7/2/2021</a:t>
             </a:fld>
             <a:endParaRPr lang="en-US" dirty="0"/>
           </a:p>
@@ -1540,7 +1562,7 @@
           <a:p>
             <a:fld id="{446C117F-5CCF-4837-BE5F-2B92066CAFAF}" type="datetimeFigureOut">
               <a:rPr lang="en-US" dirty="0"/>
-              <a:t>6/25/2021</a:t>
+              <a:t>7/2/2021</a:t>
             </a:fld>
             <a:endParaRPr lang="en-US" dirty="0"/>
           </a:p>
@@ -1871,7 +1893,7 @@
           <a:p>
             <a:fld id="{84EB90BD-B6CE-46B7-997F-7313B992CCDC}" type="datetimeFigureOut">
               <a:rPr lang="en-US" dirty="0"/>
-              <a:t>6/25/2021</a:t>
+              <a:t>7/2/2021</a:t>
             </a:fld>
             <a:endParaRPr lang="en-US" dirty="0"/>
           </a:p>
@@ -2271,7 +2293,7 @@
           <a:p>
             <a:fld id="{CDB9D11F-B188-461D-B23F-39381795C052}" type="datetimeFigureOut">
               <a:rPr lang="en-US" dirty="0"/>
-              <a:t>6/25/2021</a:t>
+              <a:t>7/2/2021</a:t>
             </a:fld>
             <a:endParaRPr lang="en-US" dirty="0"/>
           </a:p>
@@ -2834,7 +2856,7 @@
           <a:p>
             <a:fld id="{52E6D8D9-55A2-4063-B0F3-121F44549695}" type="datetimeFigureOut">
               <a:rPr lang="en-US" dirty="0"/>
-              <a:t>6/25/2021</a:t>
+              <a:t>7/2/2021</a:t>
             </a:fld>
             <a:endParaRPr lang="en-US" dirty="0"/>
           </a:p>
@@ -3510,7 +3532,7 @@
           <a:p>
             <a:fld id="{D4B24536-994D-4021-A283-9F449C0DB509}" type="datetimeFigureOut">
               <a:rPr lang="en-US" dirty="0"/>
-              <a:t>6/25/2021</a:t>
+              <a:t>7/2/2021</a:t>
             </a:fld>
             <a:endParaRPr lang="en-US" dirty="0"/>
           </a:p>
@@ -4418,7 +4440,7 @@
           <a:p>
             <a:fld id="{3CBBBB78-C96F-47B7-AB17-D852CA960AC9}" type="datetimeFigureOut">
               <a:rPr lang="en-US" dirty="0"/>
-              <a:t>6/25/2021</a:t>
+              <a:t>7/2/2021</a:t>
             </a:fld>
             <a:endParaRPr lang="en-US" dirty="0"/>
           </a:p>
@@ -4726,7 +4748,7 @@
           <a:p>
             <a:fld id="{1FA3F48C-C7C6-4055-9F49-3777875E72AE}" type="datetimeFigureOut">
               <a:rPr lang="en-US" dirty="0"/>
-              <a:t>6/25/2021</a:t>
+              <a:t>7/2/2021</a:t>
             </a:fld>
             <a:endParaRPr lang="en-US" dirty="0"/>
           </a:p>
@@ -4985,7 +5007,7 @@
           <a:p>
             <a:fld id="{6178E61D-D431-422C-9764-11DAFE33AB63}" type="datetimeFigureOut">
               <a:rPr lang="en-US" dirty="0"/>
-              <a:t>6/25/2021</a:t>
+              <a:t>7/2/2021</a:t>
             </a:fld>
             <a:endParaRPr lang="en-US" dirty="0"/>
           </a:p>
@@ -5304,7 +5326,7 @@
           <a:p>
             <a:fld id="{12DE42F4-6EEF-4EF7-8ED4-2208F0F89A08}" type="datetimeFigureOut">
               <a:rPr lang="en-US" dirty="0"/>
-              <a:t>6/25/2021</a:t>
+              <a:t>7/2/2021</a:t>
             </a:fld>
             <a:endParaRPr lang="en-US" dirty="0"/>
           </a:p>
@@ -5688,7 +5710,7 @@
           <a:p>
             <a:fld id="{30578ACC-22D6-47C1-A373-4FD133E34F3C}" type="datetimeFigureOut">
               <a:rPr lang="en-US" dirty="0"/>
-              <a:t>6/25/2021</a:t>
+              <a:t>7/2/2021</a:t>
             </a:fld>
             <a:endParaRPr lang="en-US" dirty="0"/>
           </a:p>
@@ -6059,7 +6081,7 @@
           <a:p>
             <a:fld id="{4E5A6C69-6797-4E8A-BF37-F2C3751466E9}" type="datetimeFigureOut">
               <a:rPr lang="en-US" dirty="0"/>
-              <a:t>6/25/2021</a:t>
+              <a:t>7/2/2021</a:t>
             </a:fld>
             <a:endParaRPr lang="en-US" dirty="0"/>
           </a:p>
@@ -6560,7 +6582,7 @@
           <a:p>
             <a:fld id="{D82014A1-A632-4878-A0D3-F52BA7563730}" type="datetimeFigureOut">
               <a:rPr lang="en-US" dirty="0"/>
-              <a:t>6/25/2021</a:t>
+              <a:t>7/2/2021</a:t>
             </a:fld>
             <a:endParaRPr lang="en-US" dirty="0"/>
           </a:p>
@@ -6812,7 +6834,7 @@
           <a:p>
             <a:fld id="{CE99F462-093F-4566-844B-4C71F2739DA5}" type="datetimeFigureOut">
               <a:rPr lang="en-US" dirty="0"/>
-              <a:t>6/25/2021</a:t>
+              <a:t>7/2/2021</a:t>
             </a:fld>
             <a:endParaRPr lang="en-US" dirty="0"/>
           </a:p>
@@ -6970,7 +6992,7 @@
           <a:p>
             <a:fld id="{3D24A7AC-904D-4781-85BA-7D10C17ED021}" type="datetimeFigureOut">
               <a:rPr lang="en-US" dirty="0"/>
-              <a:t>6/25/2021</a:t>
+              <a:t>7/2/2021</a:t>
             </a:fld>
             <a:endParaRPr lang="en-US" dirty="0"/>
           </a:p>
@@ -7355,7 +7377,7 @@
           <a:p>
             <a:fld id="{E331444B-B92B-4E27-8C94-BB93EAF5CB18}" type="datetimeFigureOut">
               <a:rPr lang="en-US" dirty="0"/>
-              <a:t>6/25/2021</a:t>
+              <a:t>7/2/2021</a:t>
             </a:fld>
             <a:endParaRPr lang="en-US" dirty="0"/>
           </a:p>
@@ -7759,7 +7781,7 @@
           <a:p>
             <a:fld id="{363EFA5E-FA76-400D-B3DC-F0BA90E6D107}" type="datetimeFigureOut">
               <a:rPr lang="en-US" dirty="0"/>
-              <a:t>6/25/2021</a:t>
+              <a:t>7/2/2021</a:t>
             </a:fld>
             <a:endParaRPr lang="en-US" dirty="0"/>
           </a:p>
@@ -7998,7 +8020,7 @@
           <a:p>
             <a:fld id="{9D6E9DEC-419B-4CC5-A080-3B06BD5A8291}" type="datetimeFigureOut">
               <a:rPr lang="en-US" dirty="0"/>
-              <a:t>6/25/2021</a:t>
+              <a:t>7/2/2021</a:t>
             </a:fld>
             <a:endParaRPr lang="en-US" dirty="0"/>
           </a:p>
@@ -9898,6 +9920,391 @@
     <p:extLst>
       <p:ext uri="{BB962C8B-B14F-4D97-AF65-F5344CB8AC3E}">
         <p14:creationId xmlns:p14="http://schemas.microsoft.com/office/powerpoint/2010/main" val="2145004911"/>
+      </p:ext>
+    </p:extLst>
+  </p:cSld>
+  <p:clrMapOvr>
+    <a:masterClrMapping/>
+  </p:clrMapOvr>
+</p:sld>
+</file>
+
+<file path=ppt/slides/slide13.xml><?xml version="1.0" encoding="utf-8"?>
+<p:sld xmlns:a="http://schemas.openxmlformats.org/drawingml/2006/main" xmlns:r="http://schemas.openxmlformats.org/officeDocument/2006/relationships" xmlns:p="http://schemas.openxmlformats.org/presentationml/2006/main">
+  <p:cSld>
+    <p:spTree>
+      <p:nvGrpSpPr>
+        <p:cNvPr id="1" name=""/>
+        <p:cNvGrpSpPr/>
+        <p:nvPr/>
+      </p:nvGrpSpPr>
+      <p:grpSpPr>
+        <a:xfrm>
+          <a:off x="0" y="0"/>
+          <a:ext cx="0" cy="0"/>
+          <a:chOff x="0" y="0"/>
+          <a:chExt cx="0" cy="0"/>
+        </a:xfrm>
+      </p:grpSpPr>
+      <p:sp>
+        <p:nvSpPr>
+          <p:cNvPr id="2" name="Título 1">
+            <a:extLst>
+              <a:ext uri="{FF2B5EF4-FFF2-40B4-BE49-F238E27FC236}">
+                <a16:creationId xmlns:a16="http://schemas.microsoft.com/office/drawing/2014/main" id="{C63FC820-134A-4E4A-9795-D77112B18333}"/>
+              </a:ext>
+            </a:extLst>
+          </p:cNvPr>
+          <p:cNvSpPr>
+            <a:spLocks noGrp="1"/>
+          </p:cNvSpPr>
+          <p:nvPr>
+            <p:ph type="title"/>
+          </p:nvPr>
+        </p:nvSpPr>
+        <p:spPr/>
+        <p:txBody>
+          <a:bodyPr/>
+          <a:lstStyle/>
+          <a:p>
+            <a:r>
+              <a:rPr lang="es-ES" dirty="0"/>
+              <a:t>Error en serialización</a:t>
+            </a:r>
+            <a:endParaRPr lang="es-AR" dirty="0"/>
+          </a:p>
+        </p:txBody>
+      </p:sp>
+      <p:sp>
+        <p:nvSpPr>
+          <p:cNvPr id="3" name="Marcador de contenido 2">
+            <a:extLst>
+              <a:ext uri="{FF2B5EF4-FFF2-40B4-BE49-F238E27FC236}">
+                <a16:creationId xmlns:a16="http://schemas.microsoft.com/office/drawing/2014/main" id="{1D8C3FF0-9644-439D-A8DA-812E46127487}"/>
+              </a:ext>
+            </a:extLst>
+          </p:cNvPr>
+          <p:cNvSpPr>
+            <a:spLocks noGrp="1"/>
+          </p:cNvSpPr>
+          <p:nvPr>
+            <p:ph idx="1"/>
+          </p:nvPr>
+        </p:nvSpPr>
+        <p:spPr/>
+        <p:txBody>
+          <a:bodyPr/>
+          <a:lstStyle/>
+          <a:p>
+            <a:r>
+              <a:rPr lang="en-US" b="0" i="0" dirty="0">
+                <a:effectLst/>
+                <a:latin typeface="Slack-Lato"/>
+              </a:rPr>
+              <a:t>A </a:t>
+            </a:r>
+            <a:r>
+              <a:rPr lang="en-US" b="0" i="0" dirty="0" err="1">
+                <a:effectLst/>
+                <a:latin typeface="Slack-Lato"/>
+              </a:rPr>
+              <a:t>veces</a:t>
+            </a:r>
+            <a:r>
+              <a:rPr lang="en-US" b="0" i="0" dirty="0">
+                <a:effectLst/>
+                <a:latin typeface="Slack-Lato"/>
+              </a:rPr>
+              <a:t> no </a:t>
+            </a:r>
+            <a:r>
+              <a:rPr lang="en-US" b="0" i="0" dirty="0" err="1">
+                <a:effectLst/>
+                <a:latin typeface="Slack-Lato"/>
+              </a:rPr>
+              <a:t>queremos</a:t>
+            </a:r>
+            <a:r>
+              <a:rPr lang="en-US" b="0" i="0" dirty="0">
+                <a:effectLst/>
+                <a:latin typeface="Slack-Lato"/>
+              </a:rPr>
+              <a:t> </a:t>
+            </a:r>
+            <a:r>
+              <a:rPr lang="en-US" b="0" i="0" dirty="0" err="1">
+                <a:effectLst/>
+                <a:latin typeface="Slack-Lato"/>
+              </a:rPr>
+              <a:t>serializar</a:t>
+            </a:r>
+            <a:r>
+              <a:rPr lang="en-US" b="0" i="0" dirty="0">
+                <a:effectLst/>
+                <a:latin typeface="Slack-Lato"/>
+              </a:rPr>
+              <a:t> </a:t>
+            </a:r>
+            <a:r>
+              <a:rPr lang="en-US" b="0" i="0" dirty="0" err="1">
+                <a:effectLst/>
+                <a:latin typeface="Slack-Lato"/>
+              </a:rPr>
+              <a:t>toda</a:t>
+            </a:r>
+            <a:r>
+              <a:rPr lang="en-US" b="0" i="0" dirty="0">
+                <a:effectLst/>
+                <a:latin typeface="Slack-Lato"/>
+              </a:rPr>
+              <a:t> la </a:t>
+            </a:r>
+            <a:r>
+              <a:rPr lang="en-US" b="0" i="0" dirty="0" err="1">
+                <a:effectLst/>
+                <a:latin typeface="Slack-Lato"/>
+              </a:rPr>
+              <a:t>clase</a:t>
+            </a:r>
+            <a:r>
+              <a:rPr lang="en-US" b="0" i="0" dirty="0">
+                <a:effectLst/>
+                <a:latin typeface="Slack-Lato"/>
+              </a:rPr>
+              <a:t>, o temenos un </a:t>
+            </a:r>
+            <a:r>
+              <a:rPr lang="en-US" b="0" i="0" dirty="0" err="1">
+                <a:effectLst/>
+                <a:latin typeface="Slack-Lato"/>
+              </a:rPr>
+              <a:t>evento</a:t>
+            </a:r>
+            <a:r>
+              <a:rPr lang="en-US" b="0" i="0" dirty="0">
+                <a:effectLst/>
+                <a:latin typeface="Slack-Lato"/>
+              </a:rPr>
+              <a:t> </a:t>
+            </a:r>
+            <a:r>
+              <a:rPr lang="en-US" b="0" i="0" dirty="0" err="1">
+                <a:effectLst/>
+                <a:latin typeface="Slack-Lato"/>
+              </a:rPr>
+              <a:t>asociado</a:t>
+            </a:r>
+            <a:r>
+              <a:rPr lang="en-US" b="0" i="0" dirty="0">
+                <a:effectLst/>
+                <a:latin typeface="Slack-Lato"/>
+              </a:rPr>
+              <a:t> a una </a:t>
+            </a:r>
+            <a:r>
+              <a:rPr lang="en-US" b="0" i="0" dirty="0" err="1">
+                <a:effectLst/>
+                <a:latin typeface="Slack-Lato"/>
+              </a:rPr>
+              <a:t>clase</a:t>
+            </a:r>
+            <a:r>
+              <a:rPr lang="en-US" b="0" i="0" dirty="0">
+                <a:effectLst/>
+                <a:latin typeface="Slack-Lato"/>
+              </a:rPr>
+              <a:t> que no </a:t>
+            </a:r>
+            <a:r>
+              <a:rPr lang="en-US" b="0" i="0" dirty="0" err="1">
+                <a:effectLst/>
+                <a:latin typeface="Slack-Lato"/>
+              </a:rPr>
+              <a:t>deseamos</a:t>
+            </a:r>
+            <a:r>
+              <a:rPr lang="en-US" b="0" i="0" dirty="0">
+                <a:effectLst/>
+                <a:latin typeface="Slack-Lato"/>
+              </a:rPr>
+              <a:t> que sea </a:t>
+            </a:r>
+            <a:r>
+              <a:rPr lang="en-US" b="0" i="0" dirty="0" err="1">
+                <a:effectLst/>
+                <a:latin typeface="Slack-Lato"/>
+              </a:rPr>
+              <a:t>parte</a:t>
+            </a:r>
+            <a:r>
+              <a:rPr lang="en-US" b="0" i="0" dirty="0">
+                <a:effectLst/>
+                <a:latin typeface="Slack-Lato"/>
+              </a:rPr>
+              <a:t> de una </a:t>
+            </a:r>
+            <a:r>
+              <a:rPr lang="en-US" b="0" i="0" dirty="0" err="1">
+                <a:effectLst/>
+                <a:latin typeface="Slack-Lato"/>
+              </a:rPr>
+              <a:t>serialización</a:t>
+            </a:r>
+            <a:r>
+              <a:rPr lang="en-US" b="0" i="0" dirty="0">
+                <a:effectLst/>
+                <a:latin typeface="Slack-Lato"/>
+              </a:rPr>
+              <a:t>, para </a:t>
+            </a:r>
+            <a:r>
+              <a:rPr lang="en-US" b="0" i="0" dirty="0" err="1">
+                <a:effectLst/>
+                <a:latin typeface="Slack-Lato"/>
+              </a:rPr>
+              <a:t>eso</a:t>
+            </a:r>
+            <a:r>
+              <a:rPr lang="en-US" b="0" i="0" dirty="0">
+                <a:effectLst/>
+                <a:latin typeface="Slack-Lato"/>
+              </a:rPr>
+              <a:t> </a:t>
+            </a:r>
+            <a:r>
+              <a:rPr lang="en-US" b="0" i="0" dirty="0" err="1">
+                <a:effectLst/>
+                <a:latin typeface="Slack-Lato"/>
+              </a:rPr>
+              <a:t>podemos</a:t>
+            </a:r>
+            <a:r>
+              <a:rPr lang="en-US" b="0" i="0" dirty="0">
+                <a:effectLst/>
+                <a:latin typeface="Slack-Lato"/>
+              </a:rPr>
+              <a:t> </a:t>
+            </a:r>
+            <a:r>
+              <a:rPr lang="en-US" b="0" i="0" dirty="0" err="1">
+                <a:effectLst/>
+                <a:latin typeface="Slack-Lato"/>
+              </a:rPr>
+              <a:t>utilizar</a:t>
+            </a:r>
+            <a:endParaRPr lang="en-US" b="0" i="0" dirty="0">
+              <a:effectLst/>
+              <a:latin typeface="Slack-Lato"/>
+            </a:endParaRPr>
+          </a:p>
+          <a:p>
+            <a:pPr lvl="1"/>
+            <a:r>
+              <a:rPr lang="en-US" b="0" i="0" dirty="0">
+                <a:effectLst/>
+                <a:latin typeface="Slack-Lato"/>
+              </a:rPr>
+              <a:t>Para </a:t>
+            </a:r>
+            <a:r>
+              <a:rPr lang="en-US" b="0" i="0" dirty="0" err="1">
+                <a:effectLst/>
+                <a:latin typeface="Slack-Lato"/>
+              </a:rPr>
+              <a:t>atributos</a:t>
+            </a:r>
+            <a:r>
+              <a:rPr lang="en-US" dirty="0">
+                <a:latin typeface="Slack-Lato"/>
+              </a:rPr>
+              <a:t>: </a:t>
+            </a:r>
+            <a:r>
+              <a:rPr lang="en-US" b="0" i="0" dirty="0">
+                <a:effectLst/>
+                <a:latin typeface="Slack-Lato"/>
+              </a:rPr>
+              <a:t>[field: </a:t>
+            </a:r>
+            <a:r>
+              <a:rPr lang="en-US" b="0" i="0" dirty="0" err="1">
+                <a:effectLst/>
+                <a:latin typeface="Slack-Lato"/>
+              </a:rPr>
+              <a:t>NonSerialized</a:t>
+            </a:r>
+            <a:r>
+              <a:rPr lang="en-US" b="0" i="0" dirty="0">
+                <a:effectLst/>
+                <a:latin typeface="Slack-Lato"/>
+              </a:rPr>
+              <a:t>]</a:t>
+            </a:r>
+          </a:p>
+          <a:p>
+            <a:pPr lvl="1"/>
+            <a:r>
+              <a:rPr lang="en-US" b="0" i="0" dirty="0">
+                <a:effectLst/>
+                <a:latin typeface="Slack-Lato"/>
+              </a:rPr>
+              <a:t>Para </a:t>
+            </a:r>
+            <a:r>
+              <a:rPr lang="en-US" b="0" i="0" dirty="0" err="1">
+                <a:effectLst/>
+                <a:latin typeface="Slack-Lato"/>
+              </a:rPr>
+              <a:t>propiedades</a:t>
+            </a:r>
+            <a:r>
+              <a:rPr lang="en-US" b="0" i="0" dirty="0">
+                <a:effectLst/>
+                <a:latin typeface="Slack-Lato"/>
+              </a:rPr>
+              <a:t>: [field: </a:t>
+            </a:r>
+            <a:r>
+              <a:rPr lang="en-US" b="0" i="0" dirty="0" err="1">
+                <a:effectLst/>
+                <a:latin typeface="Slack-Lato"/>
+              </a:rPr>
+              <a:t>NonSerialized</a:t>
+            </a:r>
+            <a:r>
+              <a:rPr lang="en-US" b="0" i="0" dirty="0">
+                <a:effectLst/>
+                <a:latin typeface="Slack-Lato"/>
+              </a:rPr>
+              <a:t>]</a:t>
+            </a:r>
+          </a:p>
+          <a:p>
+            <a:endParaRPr lang="en-US" u="none" strike="noStrike" dirty="0">
+              <a:solidFill>
+                <a:srgbClr val="D1D2D3"/>
+              </a:solidFill>
+              <a:latin typeface="Slack-Lato"/>
+              <a:hlinkClick r:id="rId2"/>
+            </a:endParaRPr>
+          </a:p>
+          <a:p>
+            <a:r>
+              <a:rPr lang="en-US" b="0" i="0" u="none" strike="noStrike" dirty="0">
+                <a:effectLst/>
+                <a:latin typeface="Slack-Lato"/>
+                <a:hlinkClick r:id="rId2"/>
+              </a:rPr>
+              <a:t>https://stackoverflow.com/questions/2389381/how-to-ignore-event-class-member-for-binary-serialization</a:t>
+            </a:r>
+            <a:endParaRPr lang="es-AR" dirty="0"/>
+          </a:p>
+        </p:txBody>
+      </p:sp>
+    </p:spTree>
+    <p:extLst>
+      <p:ext uri="{BB962C8B-B14F-4D97-AF65-F5344CB8AC3E}">
+        <p14:creationId xmlns:p14="http://schemas.microsoft.com/office/powerpoint/2010/main" val="4257608929"/>
       </p:ext>
     </p:extLst>
   </p:cSld>
